--- a/Presentación/ElioCampitelli_metameros.pptx
+++ b/Presentación/ElioCampitelli_metameros.pptx
@@ -5,13 +5,14 @@
     <p:sldMasterId id="2147483648" r:id="rId1"/>
   </p:sldMasterIdLst>
   <p:notesMasterIdLst>
-    <p:notesMasterId r:id="rId4"/>
+    <p:notesMasterId r:id="rId5"/>
   </p:notesMasterIdLst>
   <p:handoutMasterIdLst>
-    <p:handoutMasterId r:id="rId5"/>
+    <p:handoutMasterId r:id="rId6"/>
   </p:handoutMasterIdLst>
   <p:sldIdLst>
     <p:sldId id="256" r:id="rId3"/>
+    <p:sldId id="257" r:id="rId4"/>
   </p:sldIdLst>
   <p:sldSz cx="9144000" cy="5715000" type="screen16x10"/>
   <p:notesSz cx="9144000" cy="6858000"/>
@@ -5524,6 +5525,96 @@
           <a:xfrm>
             <a:off x="5725016" y="4424623"/>
             <a:ext cx="1023632" cy="966763"/>
+          </a:xfrm>
+          <a:prstGeom prst="rect">
+            <a:avLst/>
+          </a:prstGeom>
+        </p:spPr>
+      </p:pic>
+    </p:spTree>
+  </p:cSld>
+  <p:clrMapOvr>
+    <a:masterClrMapping/>
+  </p:clrMapOvr>
+</p:sld>
+</file>
+
+<file path=ppt/slides/slide2.xml><?xml version="1.0" encoding="utf-8"?>
+<p:sld xmlns:a="http://schemas.openxmlformats.org/drawingml/2006/main" xmlns:r="http://schemas.openxmlformats.org/officeDocument/2006/relationships" xmlns:p="http://schemas.openxmlformats.org/presentationml/2006/main">
+  <p:cSld>
+    <p:spTree>
+      <p:nvGrpSpPr>
+        <p:cNvPr id="1" name=""/>
+        <p:cNvGrpSpPr/>
+        <p:nvPr/>
+      </p:nvGrpSpPr>
+      <p:grpSpPr/>
+      <p:sp>
+        <p:nvSpPr>
+          <p:cNvPr id="2" name="Title 1"/>
+          <p:cNvSpPr>
+            <a:spLocks noGrp="1"/>
+          </p:cNvSpPr>
+          <p:nvPr>
+            <p:ph type="title"/>
+          </p:nvPr>
+        </p:nvSpPr>
+        <p:spPr/>
+        <p:txBody>
+          <a:bodyPr/>
+          <a:p>
+            <a:endParaRPr lang="en-US"/>
+          </a:p>
+        </p:txBody>
+      </p:sp>
+      <p:sp>
+        <p:nvSpPr>
+          <p:cNvPr id="3" name="Picture Placeholder 2"/>
+          <p:cNvSpPr>
+            <a:spLocks noGrp="1"/>
+          </p:cNvSpPr>
+          <p:nvPr>
+            <p:ph type="pic" sz="quarter" idx="10"/>
+          </p:nvPr>
+        </p:nvSpPr>
+        <p:spPr/>
+      </p:sp>
+      <p:sp>
+        <p:nvSpPr>
+          <p:cNvPr id="4" name="Text Placeholder 3"/>
+          <p:cNvSpPr>
+            <a:spLocks noGrp="1"/>
+          </p:cNvSpPr>
+          <p:nvPr>
+            <p:ph type="body" sz="quarter" idx="11"/>
+          </p:nvPr>
+        </p:nvSpPr>
+        <p:spPr/>
+        <p:txBody>
+          <a:bodyPr/>
+          <a:p>
+            <a:endParaRPr lang="en-US"/>
+          </a:p>
+        </p:txBody>
+      </p:sp>
+      <p:pic>
+        <p:nvPicPr>
+          <p:cNvPr id="5" name="Picture 4" descr="dino_media"/>
+          <p:cNvPicPr>
+            <a:picLocks noChangeAspect="1"/>
+          </p:cNvPicPr>
+          <p:nvPr/>
+        </p:nvPicPr>
+        <p:blipFill>
+          <a:blip r:embed="rId1"/>
+          <a:stretch>
+            <a:fillRect/>
+          </a:stretch>
+        </p:blipFill>
+        <p:spPr>
+          <a:xfrm>
+            <a:off x="2067560" y="476885"/>
+            <a:ext cx="4761865" cy="4761865"/>
           </a:xfrm>
           <a:prstGeom prst="rect">
             <a:avLst/>
